--- a/solutions/hashicorp/devops/terraform-enterprise/presales/solution-briefing.pptx
+++ b/solutions/hashicorp/devops/terraform-enterprise/presales/solution-briefing.pptx
@@ -4964,7 +4964,7 @@
               <a:t>Client:</a:t>
             </a:r>
             <a:r>
-              <a:t> Top 10 investment bank managing infrastructure across 200+ AWS accounts supporting trading systems and customer applications</a:t>
+              <a:t> Top 10 investment bank with 200+ AWS accounts</a:t>
             </a:r>
           </a:p>
           <a:p>
@@ -4984,7 +4984,7 @@
               <a:t>Solution:</a:t>
             </a:r>
             <a:r>
-              <a:t> Deployed Terraform Enterprise with centralized workspace management, VCS-driven workflows, and 40+ Sentinel policies for governance. Implemented self-service provisioning with approval gates.</a:t>
+              <a:t> Deployed Terraform Enterprise with centralized workspace management, VCS workflows, and 40+ Sentinel policies for governance.</a:t>
             </a:r>
           </a:p>
           <a:p>

--- a/solutions/hashicorp/devops/terraform-enterprise/presales/solution-briefing.pptx
+++ b/solutions/hashicorp/devops/terraform-enterprise/presales/solution-briefing.pptx
@@ -693,6 +693,39 @@
       </p:grpSpPr>
       <p:sp>
         <p:nvSpPr>
+          <p:cNvPr id="12" name="Picture Placeholder 13">
+            <a:extLst>
+              <a:ext uri="{FF2B5EF4-FFF2-40B4-BE49-F238E27FC236}">
+                <a16:creationId xmlns:a16="http://schemas.microsoft.com/office/drawing/2014/main" id="{2DB97592-C4D5-B315-7F11-AA14F6EE8A62}"/>
+              </a:ext>
+            </a:extLst>
+          </p:cNvPr>
+          <p:cNvSpPr>
+            <a:spLocks noGrp="1"/>
+          </p:cNvSpPr>
+          <p:nvPr>
+            <p:ph type="pic" sz="quarter" idx="13"/>
+          </p:nvPr>
+        </p:nvSpPr>
+        <p:spPr>
+          <a:xfrm>
+            <a:off x="313593" y="4536078"/>
+            <a:ext cx="2143858" cy="529698"/>
+          </a:xfrm>
+          <a:prstGeom prst="rect">
+            <a:avLst/>
+          </a:prstGeom>
+        </p:spPr>
+        <p:txBody>
+          <a:bodyPr/>
+          <a:lstStyle/>
+          <a:p>
+            <a:endParaRPr lang="en-US" dirty="0"/>
+          </a:p>
+        </p:txBody>
+      </p:sp>
+      <p:sp>
+        <p:nvSpPr>
           <p:cNvPr id="3" name="Shape 1">
             <a:extLst>
               <a:ext uri="{FF2B5EF4-FFF2-40B4-BE49-F238E27FC236}">
@@ -782,39 +815,6 @@
               <a:rPr lang="en-US" dirty="0"/>
               <a:t>Slide Title</a:t>
             </a:r>
-          </a:p>
-        </p:txBody>
-      </p:sp>
-      <p:sp>
-        <p:nvSpPr>
-          <p:cNvPr id="12" name="Picture Placeholder 13">
-            <a:extLst>
-              <a:ext uri="{FF2B5EF4-FFF2-40B4-BE49-F238E27FC236}">
-                <a16:creationId xmlns:a16="http://schemas.microsoft.com/office/drawing/2014/main" id="{2DB97592-C4D5-B315-7F11-AA14F6EE8A62}"/>
-              </a:ext>
-            </a:extLst>
-          </p:cNvPr>
-          <p:cNvSpPr>
-            <a:spLocks noGrp="1"/>
-          </p:cNvSpPr>
-          <p:nvPr>
-            <p:ph type="pic" sz="quarter" idx="13"/>
-          </p:nvPr>
-        </p:nvSpPr>
-        <p:spPr>
-          <a:xfrm>
-            <a:off x="313593" y="4536078"/>
-            <a:ext cx="2143858" cy="529698"/>
-          </a:xfrm>
-          <a:prstGeom prst="rect">
-            <a:avLst/>
-          </a:prstGeom>
-        </p:spPr>
-        <p:txBody>
-          <a:bodyPr/>
-          <a:lstStyle/>
-          <a:p>
-            <a:endParaRPr lang="en-US" dirty="0"/>
           </a:p>
         </p:txBody>
       </p:sp>
@@ -971,6 +971,39 @@
       </p:grpSpPr>
       <p:sp>
         <p:nvSpPr>
+          <p:cNvPr id="12" name="Picture Placeholder 13">
+            <a:extLst>
+              <a:ext uri="{FF2B5EF4-FFF2-40B4-BE49-F238E27FC236}">
+                <a16:creationId xmlns:a16="http://schemas.microsoft.com/office/drawing/2014/main" id="{2DB97592-C4D5-B315-7F11-AA14F6EE8A62}"/>
+              </a:ext>
+            </a:extLst>
+          </p:cNvPr>
+          <p:cNvSpPr>
+            <a:spLocks noGrp="1"/>
+          </p:cNvSpPr>
+          <p:nvPr>
+            <p:ph type="pic" sz="quarter" idx="13"/>
+          </p:nvPr>
+        </p:nvSpPr>
+        <p:spPr>
+          <a:xfrm>
+            <a:off x="313593" y="4536078"/>
+            <a:ext cx="2143858" cy="529698"/>
+          </a:xfrm>
+          <a:prstGeom prst="rect">
+            <a:avLst/>
+          </a:prstGeom>
+        </p:spPr>
+        <p:txBody>
+          <a:bodyPr/>
+          <a:lstStyle/>
+          <a:p>
+            <a:endParaRPr lang="en-US" dirty="0"/>
+          </a:p>
+        </p:txBody>
+      </p:sp>
+      <p:sp>
+        <p:nvSpPr>
           <p:cNvPr id="3" name="Shape 1">
             <a:extLst>
               <a:ext uri="{FF2B5EF4-FFF2-40B4-BE49-F238E27FC236}">
@@ -1060,39 +1093,6 @@
               <a:rPr lang="en-US" dirty="0"/>
               <a:t>Bullet Points</a:t>
             </a:r>
-          </a:p>
-        </p:txBody>
-      </p:sp>
-      <p:sp>
-        <p:nvSpPr>
-          <p:cNvPr id="12" name="Picture Placeholder 13">
-            <a:extLst>
-              <a:ext uri="{FF2B5EF4-FFF2-40B4-BE49-F238E27FC236}">
-                <a16:creationId xmlns:a16="http://schemas.microsoft.com/office/drawing/2014/main" id="{2DB97592-C4D5-B315-7F11-AA14F6EE8A62}"/>
-              </a:ext>
-            </a:extLst>
-          </p:cNvPr>
-          <p:cNvSpPr>
-            <a:spLocks noGrp="1"/>
-          </p:cNvSpPr>
-          <p:nvPr>
-            <p:ph type="pic" sz="quarter" idx="13"/>
-          </p:nvPr>
-        </p:nvSpPr>
-        <p:spPr>
-          <a:xfrm>
-            <a:off x="313593" y="4536078"/>
-            <a:ext cx="2143858" cy="529698"/>
-          </a:xfrm>
-          <a:prstGeom prst="rect">
-            <a:avLst/>
-          </a:prstGeom>
-        </p:spPr>
-        <p:txBody>
-          <a:bodyPr/>
-          <a:lstStyle/>
-          <a:p>
-            <a:endParaRPr lang="en-US" dirty="0"/>
           </a:p>
         </p:txBody>
       </p:sp>
@@ -1235,6 +1235,39 @@
       </p:grpSpPr>
       <p:sp>
         <p:nvSpPr>
+          <p:cNvPr id="10" name="Picture Placeholder 13">
+            <a:extLst>
+              <a:ext uri="{FF2B5EF4-FFF2-40B4-BE49-F238E27FC236}">
+                <a16:creationId xmlns:a16="http://schemas.microsoft.com/office/drawing/2014/main" id="{6A0FA445-7602-F06E-EC73-5504EBF827CC}"/>
+              </a:ext>
+            </a:extLst>
+          </p:cNvPr>
+          <p:cNvSpPr>
+            <a:spLocks noGrp="1"/>
+          </p:cNvSpPr>
+          <p:nvPr>
+            <p:ph type="pic" sz="quarter" idx="14"/>
+          </p:nvPr>
+        </p:nvSpPr>
+        <p:spPr>
+          <a:xfrm>
+            <a:off x="313592" y="4536078"/>
+            <a:ext cx="2121877" cy="529698"/>
+          </a:xfrm>
+          <a:prstGeom prst="rect">
+            <a:avLst/>
+          </a:prstGeom>
+        </p:spPr>
+        <p:txBody>
+          <a:bodyPr/>
+          <a:lstStyle/>
+          <a:p>
+            <a:endParaRPr lang="en-US" dirty="0"/>
+          </a:p>
+        </p:txBody>
+      </p:sp>
+      <p:sp>
+        <p:nvSpPr>
           <p:cNvPr id="3" name="Shape 1">
             <a:extLst>
               <a:ext uri="{FF2B5EF4-FFF2-40B4-BE49-F238E27FC236}">
@@ -1324,39 +1357,6 @@
               <a:rPr lang="en-US" dirty="0"/>
               <a:t>Two Column Layout</a:t>
             </a:r>
-          </a:p>
-        </p:txBody>
-      </p:sp>
-      <p:sp>
-        <p:nvSpPr>
-          <p:cNvPr id="10" name="Picture Placeholder 13">
-            <a:extLst>
-              <a:ext uri="{FF2B5EF4-FFF2-40B4-BE49-F238E27FC236}">
-                <a16:creationId xmlns:a16="http://schemas.microsoft.com/office/drawing/2014/main" id="{6A0FA445-7602-F06E-EC73-5504EBF827CC}"/>
-              </a:ext>
-            </a:extLst>
-          </p:cNvPr>
-          <p:cNvSpPr>
-            <a:spLocks noGrp="1"/>
-          </p:cNvSpPr>
-          <p:nvPr>
-            <p:ph type="pic" sz="quarter" idx="14"/>
-          </p:nvPr>
-        </p:nvSpPr>
-        <p:spPr>
-          <a:xfrm>
-            <a:off x="313592" y="4536078"/>
-            <a:ext cx="2121877" cy="529698"/>
-          </a:xfrm>
-          <a:prstGeom prst="rect">
-            <a:avLst/>
-          </a:prstGeom>
-        </p:spPr>
-        <p:txBody>
-          <a:bodyPr/>
-          <a:lstStyle/>
-          <a:p>
-            <a:endParaRPr lang="en-US" dirty="0"/>
           </a:p>
         </p:txBody>
       </p:sp>
@@ -1604,6 +1604,39 @@
       </p:grpSpPr>
       <p:sp>
         <p:nvSpPr>
+          <p:cNvPr id="12" name="Picture Placeholder 13">
+            <a:extLst>
+              <a:ext uri="{FF2B5EF4-FFF2-40B4-BE49-F238E27FC236}">
+                <a16:creationId xmlns:a16="http://schemas.microsoft.com/office/drawing/2014/main" id="{2DB97592-C4D5-B315-7F11-AA14F6EE8A62}"/>
+              </a:ext>
+            </a:extLst>
+          </p:cNvPr>
+          <p:cNvSpPr>
+            <a:spLocks noGrp="1"/>
+          </p:cNvSpPr>
+          <p:nvPr>
+            <p:ph type="pic" sz="quarter" idx="13"/>
+          </p:nvPr>
+        </p:nvSpPr>
+        <p:spPr>
+          <a:xfrm>
+            <a:off x="313592" y="4536078"/>
+            <a:ext cx="2126273" cy="529698"/>
+          </a:xfrm>
+          <a:prstGeom prst="rect">
+            <a:avLst/>
+          </a:prstGeom>
+        </p:spPr>
+        <p:txBody>
+          <a:bodyPr/>
+          <a:lstStyle/>
+          <a:p>
+            <a:endParaRPr lang="en-US" dirty="0"/>
+          </a:p>
+        </p:txBody>
+      </p:sp>
+      <p:sp>
+        <p:nvSpPr>
           <p:cNvPr id="3" name="Shape 1">
             <a:extLst>
               <a:ext uri="{FF2B5EF4-FFF2-40B4-BE49-F238E27FC236}">
@@ -1719,39 +1752,6 @@
           </a:p>
           <a:p>
             <a:pPr lvl="0"/>
-            <a:endParaRPr lang="en-US" dirty="0"/>
-          </a:p>
-        </p:txBody>
-      </p:sp>
-      <p:sp>
-        <p:nvSpPr>
-          <p:cNvPr id="12" name="Picture Placeholder 13">
-            <a:extLst>
-              <a:ext uri="{FF2B5EF4-FFF2-40B4-BE49-F238E27FC236}">
-                <a16:creationId xmlns:a16="http://schemas.microsoft.com/office/drawing/2014/main" id="{2DB97592-C4D5-B315-7F11-AA14F6EE8A62}"/>
-              </a:ext>
-            </a:extLst>
-          </p:cNvPr>
-          <p:cNvSpPr>
-            <a:spLocks noGrp="1"/>
-          </p:cNvSpPr>
-          <p:nvPr>
-            <p:ph type="pic" sz="quarter" idx="13"/>
-          </p:nvPr>
-        </p:nvSpPr>
-        <p:spPr>
-          <a:xfrm>
-            <a:off x="313592" y="4536078"/>
-            <a:ext cx="2126273" cy="529698"/>
-          </a:xfrm>
-          <a:prstGeom prst="rect">
-            <a:avLst/>
-          </a:prstGeom>
-        </p:spPr>
-        <p:txBody>
-          <a:bodyPr/>
-          <a:lstStyle/>
-          <a:p>
             <a:endParaRPr lang="en-US" dirty="0"/>
           </a:p>
         </p:txBody>
@@ -1863,6 +1863,39 @@
       </p:grpSpPr>
       <p:sp>
         <p:nvSpPr>
+          <p:cNvPr id="10" name="Picture Placeholder 13">
+            <a:extLst>
+              <a:ext uri="{FF2B5EF4-FFF2-40B4-BE49-F238E27FC236}">
+                <a16:creationId xmlns:a16="http://schemas.microsoft.com/office/drawing/2014/main" id="{6A0FA445-7602-F06E-EC73-5504EBF827CC}"/>
+              </a:ext>
+            </a:extLst>
+          </p:cNvPr>
+          <p:cNvSpPr>
+            <a:spLocks noGrp="1"/>
+          </p:cNvSpPr>
+          <p:nvPr>
+            <p:ph type="pic" sz="quarter" idx="14"/>
+          </p:nvPr>
+        </p:nvSpPr>
+        <p:spPr>
+          <a:xfrm>
+            <a:off x="313592" y="4536078"/>
+            <a:ext cx="2130670" cy="529698"/>
+          </a:xfrm>
+          <a:prstGeom prst="rect">
+            <a:avLst/>
+          </a:prstGeom>
+        </p:spPr>
+        <p:txBody>
+          <a:bodyPr/>
+          <a:lstStyle/>
+          <a:p>
+            <a:endParaRPr lang="en-US" dirty="0"/>
+          </a:p>
+        </p:txBody>
+      </p:sp>
+      <p:sp>
+        <p:nvSpPr>
           <p:cNvPr id="3" name="Shape 1">
             <a:extLst>
               <a:ext uri="{FF2B5EF4-FFF2-40B4-BE49-F238E27FC236}">
@@ -1952,39 +1985,6 @@
               <a:rPr lang="en-US" dirty="0"/>
               <a:t>Visual Content</a:t>
             </a:r>
-          </a:p>
-        </p:txBody>
-      </p:sp>
-      <p:sp>
-        <p:nvSpPr>
-          <p:cNvPr id="10" name="Picture Placeholder 13">
-            <a:extLst>
-              <a:ext uri="{FF2B5EF4-FFF2-40B4-BE49-F238E27FC236}">
-                <a16:creationId xmlns:a16="http://schemas.microsoft.com/office/drawing/2014/main" id="{6A0FA445-7602-F06E-EC73-5504EBF827CC}"/>
-              </a:ext>
-            </a:extLst>
-          </p:cNvPr>
-          <p:cNvSpPr>
-            <a:spLocks noGrp="1"/>
-          </p:cNvSpPr>
-          <p:nvPr>
-            <p:ph type="pic" sz="quarter" idx="14"/>
-          </p:nvPr>
-        </p:nvSpPr>
-        <p:spPr>
-          <a:xfrm>
-            <a:off x="313592" y="4536078"/>
-            <a:ext cx="2130670" cy="529698"/>
-          </a:xfrm>
-          <a:prstGeom prst="rect">
-            <a:avLst/>
-          </a:prstGeom>
-        </p:spPr>
-        <p:txBody>
-          <a:bodyPr/>
-          <a:lstStyle/>
-          <a:p>
-            <a:endParaRPr lang="en-US" dirty="0"/>
           </a:p>
         </p:txBody>
       </p:sp>
@@ -2180,6 +2180,39 @@
       </p:grpSpPr>
       <p:sp>
         <p:nvSpPr>
+          <p:cNvPr id="10" name="Picture Placeholder 13">
+            <a:extLst>
+              <a:ext uri="{FF2B5EF4-FFF2-40B4-BE49-F238E27FC236}">
+                <a16:creationId xmlns:a16="http://schemas.microsoft.com/office/drawing/2014/main" id="{6A0FA445-7602-F06E-EC73-5504EBF827CC}"/>
+              </a:ext>
+            </a:extLst>
+          </p:cNvPr>
+          <p:cNvSpPr>
+            <a:spLocks noGrp="1"/>
+          </p:cNvSpPr>
+          <p:nvPr>
+            <p:ph type="pic" sz="quarter" idx="14"/>
+          </p:nvPr>
+        </p:nvSpPr>
+        <p:spPr>
+          <a:xfrm>
+            <a:off x="313592" y="4536078"/>
+            <a:ext cx="2104294" cy="529698"/>
+          </a:xfrm>
+          <a:prstGeom prst="rect">
+            <a:avLst/>
+          </a:prstGeom>
+        </p:spPr>
+        <p:txBody>
+          <a:bodyPr/>
+          <a:lstStyle/>
+          <a:p>
+            <a:endParaRPr lang="en-US" dirty="0"/>
+          </a:p>
+        </p:txBody>
+      </p:sp>
+      <p:sp>
+        <p:nvSpPr>
           <p:cNvPr id="3" name="Shape 1">
             <a:extLst>
               <a:ext uri="{FF2B5EF4-FFF2-40B4-BE49-F238E27FC236}">
@@ -2269,39 +2302,6 @@
               <a:rPr lang="en-US" dirty="0"/>
               <a:t>Data Visualization</a:t>
             </a:r>
-          </a:p>
-        </p:txBody>
-      </p:sp>
-      <p:sp>
-        <p:nvSpPr>
-          <p:cNvPr id="10" name="Picture Placeholder 13">
-            <a:extLst>
-              <a:ext uri="{FF2B5EF4-FFF2-40B4-BE49-F238E27FC236}">
-                <a16:creationId xmlns:a16="http://schemas.microsoft.com/office/drawing/2014/main" id="{6A0FA445-7602-F06E-EC73-5504EBF827CC}"/>
-              </a:ext>
-            </a:extLst>
-          </p:cNvPr>
-          <p:cNvSpPr>
-            <a:spLocks noGrp="1"/>
-          </p:cNvSpPr>
-          <p:nvPr>
-            <p:ph type="pic" sz="quarter" idx="14"/>
-          </p:nvPr>
-        </p:nvSpPr>
-        <p:spPr>
-          <a:xfrm>
-            <a:off x="313592" y="4536078"/>
-            <a:ext cx="2104294" cy="529698"/>
-          </a:xfrm>
-          <a:prstGeom prst="rect">
-            <a:avLst/>
-          </a:prstGeom>
-        </p:spPr>
-        <p:txBody>
-          <a:bodyPr/>
-          <a:lstStyle/>
-          <a:p>
-            <a:endParaRPr lang="en-US" dirty="0"/>
           </a:p>
         </p:txBody>
       </p:sp>
@@ -3423,7 +3423,7 @@
       <p:grpSpPr/>
       <p:sp>
         <p:nvSpPr>
-          <p:cNvPr id="2" name="Text Placeholder 1"/>
+          <p:cNvPr id="3" name="Text Placeholder 2"/>
           <p:cNvSpPr>
             <a:spLocks noGrp="1"/>
           </p:cNvSpPr>
@@ -3727,7 +3727,7 @@
       <p:grpSpPr/>
       <p:sp>
         <p:nvSpPr>
-          <p:cNvPr id="2" name="Text Placeholder 1"/>
+          <p:cNvPr id="3" name="Text Placeholder 2"/>
           <p:cNvSpPr>
             <a:spLocks noGrp="1"/>
           </p:cNvSpPr>
@@ -3902,7 +3902,7 @@
       <p:grpSpPr/>
       <p:sp>
         <p:nvSpPr>
-          <p:cNvPr id="2" name="Text Placeholder 1"/>
+          <p:cNvPr id="3" name="Text Placeholder 2"/>
           <p:cNvSpPr>
             <a:spLocks noGrp="1"/>
           </p:cNvSpPr>
@@ -4124,7 +4124,7 @@
       <p:grpSpPr/>
       <p:sp>
         <p:nvSpPr>
-          <p:cNvPr id="2" name="Text Placeholder 1"/>
+          <p:cNvPr id="3" name="Text Placeholder 2"/>
           <p:cNvSpPr>
             <a:spLocks noGrp="1"/>
           </p:cNvSpPr>
@@ -4313,7 +4313,7 @@
       <p:grpSpPr/>
       <p:sp>
         <p:nvSpPr>
-          <p:cNvPr id="2" name="Text Placeholder 1"/>
+          <p:cNvPr id="3" name="Text Placeholder 2"/>
           <p:cNvSpPr>
             <a:spLocks noGrp="1"/>
           </p:cNvSpPr>
@@ -4497,7 +4497,7 @@
       <p:grpSpPr/>
       <p:sp>
         <p:nvSpPr>
-          <p:cNvPr id="2" name="Text Placeholder 1"/>
+          <p:cNvPr id="3" name="Text Placeholder 2"/>
           <p:cNvSpPr>
             <a:spLocks noGrp="1"/>
           </p:cNvSpPr>
@@ -4916,7 +4916,7 @@
       <p:grpSpPr/>
       <p:sp>
         <p:nvSpPr>
-          <p:cNvPr id="2" name="Text Placeholder 1"/>
+          <p:cNvPr id="3" name="Text Placeholder 2"/>
           <p:cNvSpPr>
             <a:spLocks noGrp="1"/>
           </p:cNvSpPr>
@@ -5089,7 +5089,7 @@
       <p:grpSpPr/>
       <p:sp>
         <p:nvSpPr>
-          <p:cNvPr id="2" name="Text Placeholder 1"/>
+          <p:cNvPr id="3" name="Text Placeholder 2"/>
           <p:cNvSpPr>
             <a:spLocks noGrp="1"/>
           </p:cNvSpPr>
@@ -5276,7 +5276,7 @@
       <p:grpSpPr/>
       <p:sp>
         <p:nvSpPr>
-          <p:cNvPr id="2" name="Text Placeholder 1"/>
+          <p:cNvPr id="3" name="Text Placeholder 2"/>
           <p:cNvSpPr>
             <a:spLocks noGrp="1"/>
           </p:cNvSpPr>

--- a/solutions/hashicorp/devops/terraform-enterprise/presales/solution-briefing.pptx
+++ b/solutions/hashicorp/devops/terraform-enterprise/presales/solution-briefing.pptx
@@ -3326,7 +3326,7 @@
           <a:lstStyle/>
           <a:p>
             <a:r>
-              <a:t>['Presenter Name'] | November 22, 2025</a:t>
+              <a:t>['Presenter Name'] | November 24, 2025</a:t>
             </a:r>
           </a:p>
         </p:txBody>
@@ -5308,7 +5308,7 @@
         </p:nvGraphicFramePr>
         <p:xfrm>
           <a:off x="256855" y="677011"/>
-          <a:ext cx="8710930" cy="2595880"/>
+          <a:ext cx="8710930" cy="2225040"/>
         </p:xfrm>
         <a:graphic>
           <a:graphicData uri="http://schemas.openxmlformats.org/drawingml/2006/table">
@@ -5499,41 +5499,7 @@
                     <a:p>
                       <a:r>
                         <a:rPr sz="1100"/>
-                        <a:t>$125,000</a:t>
-                      </a:r>
-                    </a:p>
-                  </a:txBody>
-                  <a:tcPr>
-                    <a:solidFill>
-                      <a:srgbClr val="E7E6E6"/>
-                    </a:solidFill>
-                  </a:tcPr>
-                </a:tc>
-                <a:tc>
-                  <a:txBody>
-                    <a:bodyPr/>
-                    <a:lstStyle/>
-                    <a:p>
-                      <a:r>
-                        <a:rPr sz="1100"/>
                         <a:t>$0</a:t>
-                      </a:r>
-                    </a:p>
-                  </a:txBody>
-                  <a:tcPr>
-                    <a:solidFill>
-                      <a:srgbClr val="E7E6E6"/>
-                    </a:solidFill>
-                  </a:tcPr>
-                </a:tc>
-                <a:tc>
-                  <a:txBody>
-                    <a:bodyPr/>
-                    <a:lstStyle/>
-                    <a:p>
-                      <a:r>
-                        <a:rPr sz="1100"/>
-                        <a:t>$125,000</a:t>
                       </a:r>
                     </a:p>
                   </a:txBody>
@@ -5584,7 +5550,41 @@
                     <a:p>
                       <a:r>
                         <a:rPr sz="1100"/>
-                        <a:t>$125,000</a:t>
+                        <a:t>$0</a:t>
+                      </a:r>
+                    </a:p>
+                  </a:txBody>
+                  <a:tcPr>
+                    <a:solidFill>
+                      <a:srgbClr val="E7E6E6"/>
+                    </a:solidFill>
+                  </a:tcPr>
+                </a:tc>
+                <a:tc>
+                  <a:txBody>
+                    <a:bodyPr/>
+                    <a:lstStyle/>
+                    <a:p>
+                      <a:r>
+                        <a:rPr sz="1100"/>
+                        <a:t>$0</a:t>
+                      </a:r>
+                    </a:p>
+                  </a:txBody>
+                  <a:tcPr>
+                    <a:solidFill>
+                      <a:srgbClr val="E7E6E6"/>
+                    </a:solidFill>
+                  </a:tcPr>
+                </a:tc>
+                <a:tc>
+                  <a:txBody>
+                    <a:bodyPr/>
+                    <a:lstStyle/>
+                    <a:p>
+                      <a:r>
+                        <a:rPr sz="1100"/>
+                        <a:t>$0</a:t>
                       </a:r>
                     </a:p>
                   </a:txBody>
@@ -5603,7 +5603,7 @@
                     <a:p>
                       <a:r>
                         <a:rPr sz="1100"/>
-                        <a:t>Cloud Infrastructure</a:t>
+                        <a:t>Cloud Services</a:t>
                       </a:r>
                     </a:p>
                   </a:txBody>
@@ -5706,127 +5706,6 @@
                       <a:r>
                         <a:rPr sz="1100"/>
                         <a:t>$95,748</a:t>
-                      </a:r>
-                    </a:p>
-                  </a:txBody>
-                  <a:tcPr>
-                    <a:solidFill>
-                      <a:srgbClr val="E7E6E6"/>
-                    </a:solidFill>
-                  </a:tcPr>
-                </a:tc>
-              </a:tr>
-              <a:tr h="370840">
-                <a:tc>
-                  <a:txBody>
-                    <a:bodyPr/>
-                    <a:lstStyle/>
-                    <a:p>
-                      <a:r>
-                        <a:rPr sz="1100"/>
-                        <a:t>HashiCorp Licenses</a:t>
-                      </a:r>
-                    </a:p>
-                  </a:txBody>
-                  <a:tcPr>
-                    <a:solidFill>
-                      <a:srgbClr val="E7E6E6"/>
-                    </a:solidFill>
-                  </a:tcPr>
-                </a:tc>
-                <a:tc>
-                  <a:txBody>
-                    <a:bodyPr/>
-                    <a:lstStyle/>
-                    <a:p>
-                      <a:r>
-                        <a:rPr sz="1100"/>
-                        <a:t>$29,500</a:t>
-                      </a:r>
-                    </a:p>
-                  </a:txBody>
-                  <a:tcPr>
-                    <a:solidFill>
-                      <a:srgbClr val="E7E6E6"/>
-                    </a:solidFill>
-                  </a:tcPr>
-                </a:tc>
-                <a:tc>
-                  <a:txBody>
-                    <a:bodyPr/>
-                    <a:lstStyle/>
-                    <a:p>
-                      <a:r>
-                        <a:rPr sz="1100"/>
-                        <a:t>($10,000)</a:t>
-                      </a:r>
-                    </a:p>
-                  </a:txBody>
-                  <a:tcPr>
-                    <a:solidFill>
-                      <a:srgbClr val="E7E6E6"/>
-                    </a:solidFill>
-                  </a:tcPr>
-                </a:tc>
-                <a:tc>
-                  <a:txBody>
-                    <a:bodyPr/>
-                    <a:lstStyle/>
-                    <a:p>
-                      <a:r>
-                        <a:rPr sz="1100"/>
-                        <a:t>$19,500</a:t>
-                      </a:r>
-                    </a:p>
-                  </a:txBody>
-                  <a:tcPr>
-                    <a:solidFill>
-                      <a:srgbClr val="E7E6E6"/>
-                    </a:solidFill>
-                  </a:tcPr>
-                </a:tc>
-                <a:tc>
-                  <a:txBody>
-                    <a:bodyPr/>
-                    <a:lstStyle/>
-                    <a:p>
-                      <a:r>
-                        <a:rPr sz="1100"/>
-                        <a:t>$29,500</a:t>
-                      </a:r>
-                    </a:p>
-                  </a:txBody>
-                  <a:tcPr>
-                    <a:solidFill>
-                      <a:srgbClr val="E7E6E6"/>
-                    </a:solidFill>
-                  </a:tcPr>
-                </a:tc>
-                <a:tc>
-                  <a:txBody>
-                    <a:bodyPr/>
-                    <a:lstStyle/>
-                    <a:p>
-                      <a:r>
-                        <a:rPr sz="1100"/>
-                        <a:t>$29,500</a:t>
-                      </a:r>
-                    </a:p>
-                  </a:txBody>
-                  <a:tcPr>
-                    <a:solidFill>
-                      <a:srgbClr val="E7E6E6"/>
-                    </a:solidFill>
-                  </a:tcPr>
-                </a:tc>
-                <a:tc>
-                  <a:txBody>
-                    <a:bodyPr/>
-                    <a:lstStyle/>
-                    <a:p>
-                      <a:r>
-                        <a:rPr sz="1100"/>
-                        <a:t>$78,500</a:t>
                       </a:r>
                     </a:p>
                   </a:txBody>
@@ -6104,7 +5983,7 @@
                     <a:p>
                       <a:r>
                         <a:rPr b="1" sz="1100"/>
-                        <a:t>$283,076</a:t>
+                        <a:t>$128,576</a:t>
                       </a:r>
                     </a:p>
                   </a:txBody>
@@ -6121,7 +6000,7 @@
                     <a:p>
                       <a:r>
                         <a:rPr b="1" sz="1100"/>
-                        <a:t>($22,000)</a:t>
+                        <a:t>($12,000)</a:t>
                       </a:r>
                     </a:p>
                   </a:txBody>
@@ -6138,7 +6017,7 @@
                     <a:p>
                       <a:r>
                         <a:rPr b="1" sz="1100"/>
-                        <a:t>$261,076</a:t>
+                        <a:t>$116,576</a:t>
                       </a:r>
                     </a:p>
                   </a:txBody>
@@ -6155,7 +6034,7 @@
                     <a:p>
                       <a:r>
                         <a:rPr b="1" sz="1100"/>
-                        <a:t>$158,076</a:t>
+                        <a:t>$128,576</a:t>
                       </a:r>
                     </a:p>
                   </a:txBody>
@@ -6172,7 +6051,7 @@
                     <a:p>
                       <a:r>
                         <a:rPr b="1" sz="1100"/>
-                        <a:t>$158,076</a:t>
+                        <a:t>$128,576</a:t>
                       </a:r>
                     </a:p>
                   </a:txBody>
@@ -6189,7 +6068,7 @@
                     <a:p>
                       <a:r>
                         <a:rPr b="1" sz="1100"/>
-                        <a:t>$577,228</a:t>
+                        <a:t>$373,728</a:t>
                       </a:r>
                     </a:p>
                   </a:txBody>
